--- a/Myhre_Chris_Presentation.pptx
+++ b/Myhre_Chris_Presentation.pptx
@@ -9,11 +9,12 @@
     <p:sldId id="257" r:id="rId3"/>
     <p:sldId id="258" r:id="rId4"/>
     <p:sldId id="259" r:id="rId5"/>
-    <p:sldId id="260" r:id="rId6"/>
-    <p:sldId id="265" r:id="rId7"/>
-    <p:sldId id="262" r:id="rId8"/>
-    <p:sldId id="263" r:id="rId9"/>
-    <p:sldId id="264" r:id="rId10"/>
+    <p:sldId id="266" r:id="rId6"/>
+    <p:sldId id="260" r:id="rId7"/>
+    <p:sldId id="265" r:id="rId8"/>
+    <p:sldId id="262" r:id="rId9"/>
+    <p:sldId id="263" r:id="rId10"/>
+    <p:sldId id="264" r:id="rId11"/>
   </p:sldIdLst>
   <p:sldSz cx="12192000" cy="6858000"/>
   <p:notesSz cx="6858000" cy="9144000"/>
@@ -274,7 +275,7 @@
           <a:p>
             <a:fld id="{C171DC17-4A50-5F49-AEC7-C955C81B92E5}" type="datetimeFigureOut">
               <a:rPr lang="en-US" smtClean="0"/>
-              <a:t>12/9/2025</a:t>
+              <a:t>12/10/2025</a:t>
             </a:fld>
             <a:endParaRPr lang="en-US"/>
           </a:p>
@@ -591,7 +592,7 @@
           <a:p>
             <a:fld id="{C171DC17-4A50-5F49-AEC7-C955C81B92E5}" type="datetimeFigureOut">
               <a:rPr lang="en-US" smtClean="0"/>
-              <a:t>12/9/2025</a:t>
+              <a:t>12/10/2025</a:t>
             </a:fld>
             <a:endParaRPr lang="en-US"/>
           </a:p>
@@ -789,7 +790,7 @@
           <a:p>
             <a:fld id="{C171DC17-4A50-5F49-AEC7-C955C81B92E5}" type="datetimeFigureOut">
               <a:rPr lang="en-US" smtClean="0"/>
-              <a:t>12/9/2025</a:t>
+              <a:t>12/10/2025</a:t>
             </a:fld>
             <a:endParaRPr lang="en-US"/>
           </a:p>
@@ -997,7 +998,7 @@
           <a:p>
             <a:fld id="{C171DC17-4A50-5F49-AEC7-C955C81B92E5}" type="datetimeFigureOut">
               <a:rPr lang="en-US" smtClean="0"/>
-              <a:t>12/9/2025</a:t>
+              <a:t>12/10/2025</a:t>
             </a:fld>
             <a:endParaRPr lang="en-US"/>
           </a:p>
@@ -1240,7 +1241,7 @@
           <a:p>
             <a:fld id="{C171DC17-4A50-5F49-AEC7-C955C81B92E5}" type="datetimeFigureOut">
               <a:rPr lang="en-US" smtClean="0"/>
-              <a:t>12/9/2025</a:t>
+              <a:t>12/10/2025</a:t>
             </a:fld>
             <a:endParaRPr lang="en-US"/>
           </a:p>
@@ -1467,7 +1468,7 @@
           <a:p>
             <a:fld id="{C171DC17-4A50-5F49-AEC7-C955C81B92E5}" type="datetimeFigureOut">
               <a:rPr lang="en-US" smtClean="0"/>
-              <a:t>12/9/2025</a:t>
+              <a:t>12/10/2025</a:t>
             </a:fld>
             <a:endParaRPr lang="en-US"/>
           </a:p>
@@ -1749,7 +1750,7 @@
           <a:p>
             <a:fld id="{C171DC17-4A50-5F49-AEC7-C955C81B92E5}" type="datetimeFigureOut">
               <a:rPr lang="en-US" smtClean="0"/>
-              <a:t>12/9/2025</a:t>
+              <a:t>12/10/2025</a:t>
             </a:fld>
             <a:endParaRPr lang="en-US"/>
           </a:p>
@@ -2043,7 +2044,7 @@
           <a:p>
             <a:fld id="{C171DC17-4A50-5F49-AEC7-C955C81B92E5}" type="datetimeFigureOut">
               <a:rPr lang="en-US" smtClean="0"/>
-              <a:t>12/9/2025</a:t>
+              <a:t>12/10/2025</a:t>
             </a:fld>
             <a:endParaRPr lang="en-US"/>
           </a:p>
@@ -2455,7 +2456,7 @@
           <a:p>
             <a:fld id="{C171DC17-4A50-5F49-AEC7-C955C81B92E5}" type="datetimeFigureOut">
               <a:rPr lang="en-US" smtClean="0"/>
-              <a:t>12/9/2025</a:t>
+              <a:t>12/10/2025</a:t>
             </a:fld>
             <a:endParaRPr lang="en-US"/>
           </a:p>
@@ -2596,7 +2597,7 @@
           <a:p>
             <a:fld id="{C171DC17-4A50-5F49-AEC7-C955C81B92E5}" type="datetimeFigureOut">
               <a:rPr lang="en-US" smtClean="0"/>
-              <a:t>12/9/2025</a:t>
+              <a:t>12/10/2025</a:t>
             </a:fld>
             <a:endParaRPr lang="en-US"/>
           </a:p>
@@ -2709,7 +2710,7 @@
           <a:p>
             <a:fld id="{C171DC17-4A50-5F49-AEC7-C955C81B92E5}" type="datetimeFigureOut">
               <a:rPr lang="en-US" smtClean="0"/>
-              <a:t>12/9/2025</a:t>
+              <a:t>12/10/2025</a:t>
             </a:fld>
             <a:endParaRPr lang="en-US"/>
           </a:p>
@@ -3020,7 +3021,7 @@
           <a:p>
             <a:fld id="{C171DC17-4A50-5F49-AEC7-C955C81B92E5}" type="datetimeFigureOut">
               <a:rPr lang="en-US" smtClean="0"/>
-              <a:t>12/9/2025</a:t>
+              <a:t>12/10/2025</a:t>
             </a:fld>
             <a:endParaRPr lang="en-US"/>
           </a:p>
@@ -3309,7 +3310,7 @@
             <a:fld id="{C171DC17-4A50-5F49-AEC7-C955C81B92E5}" type="datetimeFigureOut">
               <a:rPr lang="en-US" smtClean="0"/>
               <a:pPr/>
-              <a:t>12/9/2025</a:t>
+              <a:t>12/10/2025</a:t>
             </a:fld>
             <a:endParaRPr lang="en-US" dirty="0"/>
           </a:p>
@@ -3865,6 +3866,219 @@
 </p:sld>
 </file>
 
+<file path=ppt/slides/slide10.xml><?xml version="1.0" encoding="utf-8"?>
+<p:sld xmlns:a="http://schemas.openxmlformats.org/drawingml/2006/main" xmlns:r="http://schemas.openxmlformats.org/officeDocument/2006/relationships" xmlns:p="http://schemas.openxmlformats.org/presentationml/2006/main">
+  <p:cSld>
+    <p:spTree>
+      <p:nvGrpSpPr>
+        <p:cNvPr id="1" name=""/>
+        <p:cNvGrpSpPr/>
+        <p:nvPr/>
+      </p:nvGrpSpPr>
+      <p:grpSpPr>
+        <a:xfrm>
+          <a:off x="0" y="0"/>
+          <a:ext cx="0" cy="0"/>
+          <a:chOff x="0" y="0"/>
+          <a:chExt cx="0" cy="0"/>
+        </a:xfrm>
+      </p:grpSpPr>
+      <p:sp>
+        <p:nvSpPr>
+          <p:cNvPr id="2" name="Title 1">
+            <a:extLst>
+              <a:ext uri="{FF2B5EF4-FFF2-40B4-BE49-F238E27FC236}">
+                <a16:creationId xmlns:a16="http://schemas.microsoft.com/office/drawing/2014/main" id="{831A80E9-5EB5-438B-6F8A-2C080C2595C4}"/>
+              </a:ext>
+            </a:extLst>
+          </p:cNvPr>
+          <p:cNvSpPr>
+            <a:spLocks noGrp="1"/>
+          </p:cNvSpPr>
+          <p:nvPr>
+            <p:ph type="title"/>
+          </p:nvPr>
+        </p:nvSpPr>
+        <p:spPr>
+          <a:xfrm>
+            <a:off x="838200" y="365129"/>
+            <a:ext cx="10515600" cy="1325563"/>
+          </a:xfrm>
+        </p:spPr>
+        <p:txBody>
+          <a:bodyPr anchor="ctr">
+            <a:normAutofit/>
+          </a:bodyPr>
+          <a:lstStyle/>
+          <a:p>
+            <a:r>
+              <a:rPr lang="en-US" dirty="0"/>
+              <a:t>Conclusion</a:t>
+            </a:r>
+          </a:p>
+        </p:txBody>
+      </p:sp>
+      <p:sp>
+        <p:nvSpPr>
+          <p:cNvPr id="3" name="Content Placeholder 2">
+            <a:extLst>
+              <a:ext uri="{FF2B5EF4-FFF2-40B4-BE49-F238E27FC236}">
+                <a16:creationId xmlns:a16="http://schemas.microsoft.com/office/drawing/2014/main" id="{553A6672-0374-BF65-8382-7F25F80550B9}"/>
+              </a:ext>
+            </a:extLst>
+          </p:cNvPr>
+          <p:cNvSpPr>
+            <a:spLocks noGrp="1"/>
+          </p:cNvSpPr>
+          <p:nvPr>
+            <p:ph sz="half" idx="1"/>
+          </p:nvPr>
+        </p:nvSpPr>
+        <p:spPr>
+          <a:xfrm>
+            <a:off x="838200" y="1825625"/>
+            <a:ext cx="5181600" cy="4351338"/>
+          </a:xfrm>
+        </p:spPr>
+        <p:txBody>
+          <a:bodyPr>
+            <a:normAutofit/>
+          </a:bodyPr>
+          <a:lstStyle/>
+          <a:p>
+            <a:r>
+              <a:rPr lang="en-US" dirty="0"/>
+              <a:t>Overall Accuracy: 96.92%</a:t>
+            </a:r>
+          </a:p>
+          <a:p>
+            <a:pPr marL="0" indent="0">
+              <a:buNone/>
+            </a:pPr>
+            <a:endParaRPr lang="en-US" dirty="0"/>
+          </a:p>
+          <a:p>
+            <a:pPr marL="0" indent="0">
+              <a:buNone/>
+            </a:pPr>
+            <a:r>
+              <a:rPr lang="en-US" dirty="0"/>
+              <a:t>Improvements:</a:t>
+            </a:r>
+          </a:p>
+          <a:p>
+            <a:r>
+              <a:rPr lang="en-US" dirty="0"/>
+              <a:t>Different Dataset</a:t>
+            </a:r>
+          </a:p>
+          <a:p>
+            <a:r>
+              <a:rPr lang="en-US" dirty="0"/>
+              <a:t>Train Model Locally</a:t>
+            </a:r>
+          </a:p>
+        </p:txBody>
+      </p:sp>
+      <p:pic>
+        <p:nvPicPr>
+          <p:cNvPr id="4098" name="Picture 2" descr="Clock Clipart Stock Illustrations ...">
+            <a:extLst>
+              <a:ext uri="{FF2B5EF4-FFF2-40B4-BE49-F238E27FC236}">
+                <a16:creationId xmlns:a16="http://schemas.microsoft.com/office/drawing/2014/main" id="{B4F039EA-BE08-E386-B6D5-A51B817ADEF2}"/>
+              </a:ext>
+            </a:extLst>
+          </p:cNvPr>
+          <p:cNvPicPr>
+            <a:picLocks noChangeAspect="1" noChangeArrowheads="1"/>
+          </p:cNvPicPr>
+          <p:nvPr/>
+        </p:nvPicPr>
+        <p:blipFill>
+          <a:blip r:embed="rId2">
+            <a:extLst>
+              <a:ext uri="{28A0092B-C50C-407E-A947-70E740481C1C}">
+                <a14:useLocalDpi xmlns:a14="http://schemas.microsoft.com/office/drawing/2010/main" val="0"/>
+              </a:ext>
+            </a:extLst>
+          </a:blip>
+          <a:stretch>
+            <a:fillRect/>
+          </a:stretch>
+        </p:blipFill>
+        <p:spPr bwMode="auto">
+          <a:xfrm>
+            <a:off x="8561229" y="2822321"/>
+            <a:ext cx="3429000" cy="3429000"/>
+          </a:xfrm>
+          <a:prstGeom prst="rect">
+            <a:avLst/>
+          </a:prstGeom>
+          <a:solidFill>
+            <a:srgbClr val="FFFFFF"/>
+          </a:solidFill>
+        </p:spPr>
+      </p:pic>
+      <p:pic>
+        <p:nvPicPr>
+          <p:cNvPr id="4100" name="Picture 4" descr="Computer Clip Art Images – Browse 293,834 Stock Photos, Vectors, and Video  | Adobe Stock">
+            <a:extLst>
+              <a:ext uri="{FF2B5EF4-FFF2-40B4-BE49-F238E27FC236}">
+                <a16:creationId xmlns:a16="http://schemas.microsoft.com/office/drawing/2014/main" id="{D3B378B4-B767-AC95-ED72-8A17740314E2}"/>
+              </a:ext>
+            </a:extLst>
+          </p:cNvPr>
+          <p:cNvPicPr>
+            <a:picLocks noChangeAspect="1" noChangeArrowheads="1"/>
+          </p:cNvPicPr>
+          <p:nvPr/>
+        </p:nvPicPr>
+        <p:blipFill>
+          <a:blip r:embed="rId3">
+            <a:extLst>
+              <a:ext uri="{28A0092B-C50C-407E-A947-70E740481C1C}">
+                <a14:useLocalDpi xmlns:a14="http://schemas.microsoft.com/office/drawing/2010/main" val="0"/>
+              </a:ext>
+            </a:extLst>
+          </a:blip>
+          <a:srcRect/>
+          <a:stretch>
+            <a:fillRect/>
+          </a:stretch>
+        </p:blipFill>
+        <p:spPr bwMode="auto">
+          <a:xfrm>
+            <a:off x="4248912" y="2822321"/>
+            <a:ext cx="4572000" cy="3429000"/>
+          </a:xfrm>
+          <a:prstGeom prst="rect">
+            <a:avLst/>
+          </a:prstGeom>
+          <a:noFill/>
+          <a:extLst>
+            <a:ext uri="{909E8E84-426E-40DD-AFC4-6F175D3DCCD1}">
+              <a14:hiddenFill xmlns:a14="http://schemas.microsoft.com/office/drawing/2010/main">
+                <a:solidFill>
+                  <a:srgbClr val="FFFFFF"/>
+                </a:solidFill>
+              </a14:hiddenFill>
+            </a:ext>
+          </a:extLst>
+        </p:spPr>
+      </p:pic>
+    </p:spTree>
+    <p:extLst>
+      <p:ext uri="{BB962C8B-B14F-4D97-AF65-F5344CB8AC3E}">
+        <p14:creationId xmlns:p14="http://schemas.microsoft.com/office/powerpoint/2010/main" val="3596057061"/>
+      </p:ext>
+    </p:extLst>
+  </p:cSld>
+  <p:clrMapOvr>
+    <a:masterClrMapping/>
+  </p:clrMapOvr>
+</p:sld>
+</file>
+
 <file path=ppt/slides/slide2.xml><?xml version="1.0" encoding="utf-8"?>
 <p:sld xmlns:a="http://schemas.openxmlformats.org/drawingml/2006/main" xmlns:r="http://schemas.openxmlformats.org/officeDocument/2006/relationships" xmlns:p="http://schemas.openxmlformats.org/presentationml/2006/main">
   <p:cSld>
@@ -4017,15 +4231,6 @@
           <a:solidFill>
             <a:srgbClr val="FFFFFF"/>
           </a:solidFill>
-          <a:extLst>
-            <a:ext uri="{909E8E84-426E-40DD-AFC4-6F175D3DCCD1}">
-              <a14:hiddenFill xmlns:a14="http://schemas.microsoft.com/office/drawing/2010/main">
-                <a:solidFill>
-                  <a:srgbClr val="FFFFFF"/>
-                </a:solidFill>
-              </a14:hiddenFill>
-            </a:ext>
-          </a:extLst>
         </p:spPr>
       </p:pic>
     </p:spTree>
@@ -4585,6 +4790,158 @@
           <p:cNvPr id="2" name="Title 1">
             <a:extLst>
               <a:ext uri="{FF2B5EF4-FFF2-40B4-BE49-F238E27FC236}">
+                <a16:creationId xmlns:a16="http://schemas.microsoft.com/office/drawing/2014/main" id="{2BE0DF76-FF31-3644-0E6C-2415D8127A1F}"/>
+              </a:ext>
+            </a:extLst>
+          </p:cNvPr>
+          <p:cNvSpPr>
+            <a:spLocks noGrp="1"/>
+          </p:cNvSpPr>
+          <p:nvPr>
+            <p:ph type="title"/>
+          </p:nvPr>
+        </p:nvSpPr>
+        <p:spPr/>
+        <p:txBody>
+          <a:bodyPr/>
+          <a:lstStyle/>
+          <a:p>
+            <a:endParaRPr lang="en-US"/>
+          </a:p>
+        </p:txBody>
+      </p:sp>
+      <p:sp>
+        <p:nvSpPr>
+          <p:cNvPr id="3" name="Content Placeholder 2">
+            <a:extLst>
+              <a:ext uri="{FF2B5EF4-FFF2-40B4-BE49-F238E27FC236}">
+                <a16:creationId xmlns:a16="http://schemas.microsoft.com/office/drawing/2014/main" id="{53DD83AC-9379-AE6F-A08A-59F609E7D787}"/>
+              </a:ext>
+            </a:extLst>
+          </p:cNvPr>
+          <p:cNvSpPr>
+            <a:spLocks noGrp="1"/>
+          </p:cNvSpPr>
+          <p:nvPr>
+            <p:ph sz="half" idx="1"/>
+          </p:nvPr>
+        </p:nvSpPr>
+        <p:spPr/>
+        <p:txBody>
+          <a:bodyPr/>
+          <a:lstStyle/>
+          <a:p>
+            <a:endParaRPr lang="en-US"/>
+          </a:p>
+        </p:txBody>
+      </p:sp>
+      <p:sp>
+        <p:nvSpPr>
+          <p:cNvPr id="4" name="Content Placeholder 3">
+            <a:extLst>
+              <a:ext uri="{FF2B5EF4-FFF2-40B4-BE49-F238E27FC236}">
+                <a16:creationId xmlns:a16="http://schemas.microsoft.com/office/drawing/2014/main" id="{AE48CFFB-3060-04D6-8AD1-4761AFF7CAF7}"/>
+              </a:ext>
+            </a:extLst>
+          </p:cNvPr>
+          <p:cNvSpPr>
+            <a:spLocks noGrp="1"/>
+          </p:cNvSpPr>
+          <p:nvPr>
+            <p:ph sz="half" idx="2"/>
+          </p:nvPr>
+        </p:nvSpPr>
+        <p:spPr/>
+        <p:txBody>
+          <a:bodyPr/>
+          <a:lstStyle/>
+          <a:p>
+            <a:endParaRPr lang="en-US"/>
+          </a:p>
+        </p:txBody>
+      </p:sp>
+      <p:pic>
+        <p:nvPicPr>
+          <p:cNvPr id="1026" name="Picture 2">
+            <a:extLst>
+              <a:ext uri="{FF2B5EF4-FFF2-40B4-BE49-F238E27FC236}">
+                <a16:creationId xmlns:a16="http://schemas.microsoft.com/office/drawing/2014/main" id="{0A515DE6-97D5-2F71-7C98-8E0B0406688D}"/>
+              </a:ext>
+            </a:extLst>
+          </p:cNvPr>
+          <p:cNvPicPr>
+            <a:picLocks noChangeAspect="1" noChangeArrowheads="1"/>
+          </p:cNvPicPr>
+          <p:nvPr/>
+        </p:nvPicPr>
+        <p:blipFill>
+          <a:blip r:embed="rId2">
+            <a:extLst>
+              <a:ext uri="{28A0092B-C50C-407E-A947-70E740481C1C}">
+                <a14:useLocalDpi xmlns:a14="http://schemas.microsoft.com/office/drawing/2010/main" val="0"/>
+              </a:ext>
+            </a:extLst>
+          </a:blip>
+          <a:srcRect/>
+          <a:stretch>
+            <a:fillRect/>
+          </a:stretch>
+        </p:blipFill>
+        <p:spPr bwMode="auto">
+          <a:xfrm>
+            <a:off x="0" y="0"/>
+            <a:ext cx="12192000" cy="6126163"/>
+          </a:xfrm>
+          <a:prstGeom prst="rect">
+            <a:avLst/>
+          </a:prstGeom>
+          <a:noFill/>
+          <a:extLst>
+            <a:ext uri="{909E8E84-426E-40DD-AFC4-6F175D3DCCD1}">
+              <a14:hiddenFill xmlns:a14="http://schemas.microsoft.com/office/drawing/2010/main">
+                <a:solidFill>
+                  <a:srgbClr val="FFFFFF"/>
+                </a:solidFill>
+              </a14:hiddenFill>
+            </a:ext>
+          </a:extLst>
+        </p:spPr>
+      </p:pic>
+    </p:spTree>
+    <p:extLst>
+      <p:ext uri="{BB962C8B-B14F-4D97-AF65-F5344CB8AC3E}">
+        <p14:creationId xmlns:p14="http://schemas.microsoft.com/office/powerpoint/2010/main" val="4071088655"/>
+      </p:ext>
+    </p:extLst>
+  </p:cSld>
+  <p:clrMapOvr>
+    <a:masterClrMapping/>
+  </p:clrMapOvr>
+</p:sld>
+</file>
+
+<file path=ppt/slides/slide6.xml><?xml version="1.0" encoding="utf-8"?>
+<p:sld xmlns:a="http://schemas.openxmlformats.org/drawingml/2006/main" xmlns:r="http://schemas.openxmlformats.org/officeDocument/2006/relationships" xmlns:p="http://schemas.openxmlformats.org/presentationml/2006/main">
+  <p:cSld>
+    <p:spTree>
+      <p:nvGrpSpPr>
+        <p:cNvPr id="1" name=""/>
+        <p:cNvGrpSpPr/>
+        <p:nvPr/>
+      </p:nvGrpSpPr>
+      <p:grpSpPr>
+        <a:xfrm>
+          <a:off x="0" y="0"/>
+          <a:ext cx="0" cy="0"/>
+          <a:chOff x="0" y="0"/>
+          <a:chExt cx="0" cy="0"/>
+        </a:xfrm>
+      </p:grpSpPr>
+      <p:sp>
+        <p:nvSpPr>
+          <p:cNvPr id="2" name="Title 1">
+            <a:extLst>
+              <a:ext uri="{FF2B5EF4-FFF2-40B4-BE49-F238E27FC236}">
                 <a16:creationId xmlns:a16="http://schemas.microsoft.com/office/drawing/2014/main" id="{B7B80719-CB5A-C6BF-83B8-9A47B9FAE92C}"/>
               </a:ext>
             </a:extLst>
@@ -4713,7 +5070,7 @@
 </p:sld>
 </file>
 
-<file path=ppt/slides/slide6.xml><?xml version="1.0" encoding="utf-8"?>
+<file path=ppt/slides/slide7.xml><?xml version="1.0" encoding="utf-8"?>
 <p:sld xmlns:a="http://schemas.openxmlformats.org/drawingml/2006/main" xmlns:r="http://schemas.openxmlformats.org/officeDocument/2006/relationships" xmlns:p="http://schemas.openxmlformats.org/presentationml/2006/main">
   <p:cSld>
     <p:spTree>
@@ -4828,143 +5185,6 @@
     <p:extLst>
       <p:ext uri="{BB962C8B-B14F-4D97-AF65-F5344CB8AC3E}">
         <p14:creationId xmlns:p14="http://schemas.microsoft.com/office/powerpoint/2010/main" val="2850623900"/>
-      </p:ext>
-    </p:extLst>
-  </p:cSld>
-  <p:clrMapOvr>
-    <a:masterClrMapping/>
-  </p:clrMapOvr>
-</p:sld>
-</file>
-
-<file path=ppt/slides/slide7.xml><?xml version="1.0" encoding="utf-8"?>
-<p:sld xmlns:a="http://schemas.openxmlformats.org/drawingml/2006/main" xmlns:r="http://schemas.openxmlformats.org/officeDocument/2006/relationships" xmlns:p="http://schemas.openxmlformats.org/presentationml/2006/main">
-  <p:cSld>
-    <p:spTree>
-      <p:nvGrpSpPr>
-        <p:cNvPr id="1" name=""/>
-        <p:cNvGrpSpPr/>
-        <p:nvPr/>
-      </p:nvGrpSpPr>
-      <p:grpSpPr>
-        <a:xfrm>
-          <a:off x="0" y="0"/>
-          <a:ext cx="0" cy="0"/>
-          <a:chOff x="0" y="0"/>
-          <a:chExt cx="0" cy="0"/>
-        </a:xfrm>
-      </p:grpSpPr>
-      <p:sp>
-        <p:nvSpPr>
-          <p:cNvPr id="2" name="Title 1">
-            <a:extLst>
-              <a:ext uri="{FF2B5EF4-FFF2-40B4-BE49-F238E27FC236}">
-                <a16:creationId xmlns:a16="http://schemas.microsoft.com/office/drawing/2014/main" id="{29393B39-3EAD-8FF2-9EC1-2F81DB3E5535}"/>
-              </a:ext>
-            </a:extLst>
-          </p:cNvPr>
-          <p:cNvSpPr>
-            <a:spLocks noGrp="1"/>
-          </p:cNvSpPr>
-          <p:nvPr>
-            <p:ph type="title"/>
-          </p:nvPr>
-        </p:nvSpPr>
-        <p:spPr/>
-        <p:txBody>
-          <a:bodyPr/>
-          <a:lstStyle/>
-          <a:p>
-            <a:r>
-              <a:rPr lang="en-US" dirty="0"/>
-              <a:t>Confusion Matric and Metrics</a:t>
-            </a:r>
-          </a:p>
-        </p:txBody>
-      </p:sp>
-      <p:pic>
-        <p:nvPicPr>
-          <p:cNvPr id="3074" name="Picture 2">
-            <a:extLst>
-              <a:ext uri="{FF2B5EF4-FFF2-40B4-BE49-F238E27FC236}">
-                <a16:creationId xmlns:a16="http://schemas.microsoft.com/office/drawing/2014/main" id="{31BC0EA1-101E-37CD-5A45-B71D72F03719}"/>
-              </a:ext>
-            </a:extLst>
-          </p:cNvPr>
-          <p:cNvPicPr>
-            <a:picLocks noGrp="1" noChangeAspect="1" noChangeArrowheads="1"/>
-          </p:cNvPicPr>
-          <p:nvPr>
-            <p:ph idx="1"/>
-          </p:nvPr>
-        </p:nvPicPr>
-        <p:blipFill>
-          <a:blip r:embed="rId2">
-            <a:extLst>
-              <a:ext uri="{28A0092B-C50C-407E-A947-70E740481C1C}">
-                <a14:useLocalDpi xmlns:a14="http://schemas.microsoft.com/office/drawing/2010/main" val="0"/>
-              </a:ext>
-            </a:extLst>
-          </a:blip>
-          <a:srcRect/>
-          <a:stretch>
-            <a:fillRect/>
-          </a:stretch>
-        </p:blipFill>
-        <p:spPr bwMode="auto">
-          <a:xfrm>
-            <a:off x="644266" y="1690692"/>
-            <a:ext cx="5084074" cy="4160528"/>
-          </a:xfrm>
-          <a:prstGeom prst="rect">
-            <a:avLst/>
-          </a:prstGeom>
-          <a:noFill/>
-          <a:extLst>
-            <a:ext uri="{909E8E84-426E-40DD-AFC4-6F175D3DCCD1}">
-              <a14:hiddenFill xmlns:a14="http://schemas.microsoft.com/office/drawing/2010/main">
-                <a:solidFill>
-                  <a:srgbClr val="FFFFFF"/>
-                </a:solidFill>
-              </a14:hiddenFill>
-            </a:ext>
-          </a:extLst>
-        </p:spPr>
-      </p:pic>
-      <p:pic>
-        <p:nvPicPr>
-          <p:cNvPr id="5" name="Picture 4" descr="A screenshot of a computer&#10;&#10;AI-generated content may be incorrect.">
-            <a:extLst>
-              <a:ext uri="{FF2B5EF4-FFF2-40B4-BE49-F238E27FC236}">
-                <a16:creationId xmlns:a16="http://schemas.microsoft.com/office/drawing/2014/main" id="{92D24E86-505E-3E84-6394-FDFFF9CD0119}"/>
-              </a:ext>
-            </a:extLst>
-          </p:cNvPr>
-          <p:cNvPicPr>
-            <a:picLocks noChangeAspect="1"/>
-          </p:cNvPicPr>
-          <p:nvPr/>
-        </p:nvPicPr>
-        <p:blipFill>
-          <a:blip r:embed="rId3"/>
-          <a:stretch>
-            <a:fillRect/>
-          </a:stretch>
-        </p:blipFill>
-        <p:spPr>
-          <a:xfrm>
-            <a:off x="6829425" y="2532598"/>
-            <a:ext cx="4663844" cy="2476715"/>
-          </a:xfrm>
-          <a:prstGeom prst="rect">
-            <a:avLst/>
-          </a:prstGeom>
-        </p:spPr>
-      </p:pic>
-    </p:spTree>
-    <p:extLst>
-      <p:ext uri="{BB962C8B-B14F-4D97-AF65-F5344CB8AC3E}">
-        <p14:creationId xmlns:p14="http://schemas.microsoft.com/office/powerpoint/2010/main" val="606523171"/>
       </p:ext>
     </p:extLst>
   </p:cSld>
@@ -4996,7 +5216,7 @@
           <p:cNvPr id="2" name="Title 1">
             <a:extLst>
               <a:ext uri="{FF2B5EF4-FFF2-40B4-BE49-F238E27FC236}">
-                <a16:creationId xmlns:a16="http://schemas.microsoft.com/office/drawing/2014/main" id="{F4C6CCD6-120A-FB64-161C-538A0A806DBF}"/>
+                <a16:creationId xmlns:a16="http://schemas.microsoft.com/office/drawing/2014/main" id="{29393B39-3EAD-8FF2-9EC1-2F81DB3E5535}"/>
               </a:ext>
             </a:extLst>
           </p:cNvPr>
@@ -5014,108 +5234,66 @@
           <a:p>
             <a:r>
               <a:rPr lang="en-US" dirty="0"/>
-              <a:t>Key Insights</a:t>
+              <a:t>Confusion Matric and Metrics</a:t>
             </a:r>
           </a:p>
         </p:txBody>
       </p:sp>
       <p:pic>
         <p:nvPicPr>
-          <p:cNvPr id="4" name="Content Placeholder 3" descr="A graph of different colored bars&#10;&#10;AI-generated content may be incorrect.">
-            <a:extLst>
-              <a:ext uri="{FF2B5EF4-FFF2-40B4-BE49-F238E27FC236}">
-                <a16:creationId xmlns:a16="http://schemas.microsoft.com/office/drawing/2014/main" id="{C81A91F8-B246-4F9D-9821-098A41564EEF}"/>
+          <p:cNvPr id="3074" name="Picture 2">
+            <a:extLst>
+              <a:ext uri="{FF2B5EF4-FFF2-40B4-BE49-F238E27FC236}">
+                <a16:creationId xmlns:a16="http://schemas.microsoft.com/office/drawing/2014/main" id="{31BC0EA1-101E-37CD-5A45-B71D72F03719}"/>
               </a:ext>
             </a:extLst>
           </p:cNvPr>
           <p:cNvPicPr>
-            <a:picLocks noGrp="1" noChangeAspect="1"/>
+            <a:picLocks noGrp="1" noChangeAspect="1" noChangeArrowheads="1"/>
           </p:cNvPicPr>
           <p:nvPr>
             <p:ph idx="1"/>
           </p:nvPr>
         </p:nvPicPr>
         <p:blipFill>
-          <a:blip r:embed="rId2"/>
+          <a:blip r:embed="rId2">
+            <a:extLst>
+              <a:ext uri="{28A0092B-C50C-407E-A947-70E740481C1C}">
+                <a14:useLocalDpi xmlns:a14="http://schemas.microsoft.com/office/drawing/2010/main" val="0"/>
+              </a:ext>
+            </a:extLst>
+          </a:blip>
+          <a:srcRect/>
           <a:stretch>
             <a:fillRect/>
           </a:stretch>
         </p:blipFill>
-        <p:spPr>
-          <a:xfrm>
-            <a:off x="8763626" y="3605700"/>
-            <a:ext cx="3132091" cy="2674852"/>
-          </a:xfrm>
-          <a:prstGeom prst="rect">
-            <a:avLst/>
-          </a:prstGeom>
-        </p:spPr>
-      </p:pic>
-      <p:sp>
-        <p:nvSpPr>
-          <p:cNvPr id="5" name="TextBox 4">
-            <a:extLst>
-              <a:ext uri="{FF2B5EF4-FFF2-40B4-BE49-F238E27FC236}">
-                <a16:creationId xmlns:a16="http://schemas.microsoft.com/office/drawing/2014/main" id="{77C268DD-5821-934E-5AA8-2797114465F5}"/>
-              </a:ext>
-            </a:extLst>
-          </p:cNvPr>
-          <p:cNvSpPr txBox="1"/>
-          <p:nvPr/>
-        </p:nvSpPr>
-        <p:spPr>
-          <a:xfrm>
-            <a:off x="1005840" y="1819656"/>
-            <a:ext cx="7205472" cy="923330"/>
+        <p:spPr bwMode="auto">
+          <a:xfrm>
+            <a:off x="644266" y="1690692"/>
+            <a:ext cx="5084074" cy="4160528"/>
           </a:xfrm>
           <a:prstGeom prst="rect">
             <a:avLst/>
           </a:prstGeom>
           <a:noFill/>
-        </p:spPr>
-        <p:txBody>
-          <a:bodyPr wrap="square" rtlCol="0">
-            <a:spAutoFit/>
-          </a:bodyPr>
-          <a:lstStyle/>
-          <a:p>
-            <a:pPr marL="285750" indent="-285750">
-              <a:buFont typeface="Arial" panose="020B0604020202020204" pitchFamily="34" charset="0"/>
-              <a:buChar char="•"/>
-            </a:pPr>
-            <a:r>
-              <a:rPr lang="en-US" dirty="0"/>
-              <a:t>Weather has not influence on demand</a:t>
-            </a:r>
-          </a:p>
-          <a:p>
-            <a:pPr marL="285750" indent="-285750">
-              <a:buFont typeface="Arial" panose="020B0604020202020204" pitchFamily="34" charset="0"/>
-              <a:buChar char="•"/>
-            </a:pPr>
-            <a:r>
-              <a:rPr lang="en-US" dirty="0"/>
-              <a:t>Weather has no influence on Uber/Lyft prices</a:t>
-            </a:r>
-          </a:p>
-          <a:p>
-            <a:pPr marL="285750" indent="-285750">
-              <a:buFont typeface="Arial" panose="020B0604020202020204" pitchFamily="34" charset="0"/>
-              <a:buChar char="•"/>
-            </a:pPr>
-            <a:r>
-              <a:rPr lang="en-US" dirty="0"/>
-              <a:t>Only a minority of rides were ordered on rainy days</a:t>
-            </a:r>
-          </a:p>
-        </p:txBody>
-      </p:sp>
+          <a:extLst>
+            <a:ext uri="{909E8E84-426E-40DD-AFC4-6F175D3DCCD1}">
+              <a14:hiddenFill xmlns:a14="http://schemas.microsoft.com/office/drawing/2010/main">
+                <a:solidFill>
+                  <a:srgbClr val="FFFFFF"/>
+                </a:solidFill>
+              </a14:hiddenFill>
+            </a:ext>
+          </a:extLst>
+        </p:spPr>
+      </p:pic>
       <p:pic>
         <p:nvPicPr>
-          <p:cNvPr id="6" name="Content Placeholder 4" descr="A graph of a weather forecast&#10;&#10;AI-generated content may be incorrect.">
-            <a:extLst>
-              <a:ext uri="{FF2B5EF4-FFF2-40B4-BE49-F238E27FC236}">
-                <a16:creationId xmlns:a16="http://schemas.microsoft.com/office/drawing/2014/main" id="{09A325D0-BF30-EB76-36DC-D717FF029E35}"/>
+          <p:cNvPr id="5" name="Picture 4" descr="A screenshot of a computer&#10;&#10;AI-generated content may be incorrect.">
+            <a:extLst>
+              <a:ext uri="{FF2B5EF4-FFF2-40B4-BE49-F238E27FC236}">
+                <a16:creationId xmlns:a16="http://schemas.microsoft.com/office/drawing/2014/main" id="{92D24E86-505E-3E84-6394-FDFFF9CD0119}"/>
               </a:ext>
             </a:extLst>
           </p:cNvPr>
@@ -5132,8 +5310,8 @@
         </p:blipFill>
         <p:spPr>
           <a:xfrm>
-            <a:off x="693152" y="3219450"/>
-            <a:ext cx="7133500" cy="3048429"/>
+            <a:off x="6829425" y="2532598"/>
+            <a:ext cx="4663844" cy="2476715"/>
           </a:xfrm>
           <a:prstGeom prst="rect">
             <a:avLst/>
@@ -5143,7 +5321,7 @@
     </p:spTree>
     <p:extLst>
       <p:ext uri="{BB962C8B-B14F-4D97-AF65-F5344CB8AC3E}">
-        <p14:creationId xmlns:p14="http://schemas.microsoft.com/office/powerpoint/2010/main" val="940078901"/>
+        <p14:creationId xmlns:p14="http://schemas.microsoft.com/office/powerpoint/2010/main" val="606523171"/>
       </p:ext>
     </p:extLst>
   </p:cSld>
@@ -5175,7 +5353,7 @@
           <p:cNvPr id="2" name="Title 1">
             <a:extLst>
               <a:ext uri="{FF2B5EF4-FFF2-40B4-BE49-F238E27FC236}">
-                <a16:creationId xmlns:a16="http://schemas.microsoft.com/office/drawing/2014/main" id="{831A80E9-5EB5-438B-6F8A-2C080C2595C4}"/>
+                <a16:creationId xmlns:a16="http://schemas.microsoft.com/office/drawing/2014/main" id="{F4C6CCD6-120A-FB64-161C-538A0A806DBF}"/>
               </a:ext>
             </a:extLst>
           </p:cNvPr>
@@ -5186,186 +5364,143 @@
             <p:ph type="title"/>
           </p:nvPr>
         </p:nvSpPr>
-        <p:spPr>
-          <a:xfrm>
-            <a:off x="838200" y="365129"/>
-            <a:ext cx="10515600" cy="1325563"/>
-          </a:xfrm>
-        </p:spPr>
-        <p:txBody>
-          <a:bodyPr anchor="ctr">
-            <a:normAutofit/>
-          </a:bodyPr>
+        <p:spPr/>
+        <p:txBody>
+          <a:bodyPr/>
           <a:lstStyle/>
           <a:p>
             <a:r>
               <a:rPr lang="en-US" dirty="0"/>
-              <a:t>Conclusion</a:t>
-            </a:r>
-          </a:p>
-        </p:txBody>
-      </p:sp>
-      <p:sp>
-        <p:nvSpPr>
-          <p:cNvPr id="3" name="Content Placeholder 2">
-            <a:extLst>
-              <a:ext uri="{FF2B5EF4-FFF2-40B4-BE49-F238E27FC236}">
-                <a16:creationId xmlns:a16="http://schemas.microsoft.com/office/drawing/2014/main" id="{553A6672-0374-BF65-8382-7F25F80550B9}"/>
-              </a:ext>
-            </a:extLst>
-          </p:cNvPr>
-          <p:cNvSpPr>
-            <a:spLocks noGrp="1"/>
-          </p:cNvSpPr>
-          <p:nvPr>
-            <p:ph sz="half" idx="1"/>
-          </p:nvPr>
-        </p:nvSpPr>
-        <p:spPr>
-          <a:xfrm>
-            <a:off x="838200" y="1825625"/>
-            <a:ext cx="5181600" cy="4351338"/>
-          </a:xfrm>
-        </p:spPr>
-        <p:txBody>
-          <a:bodyPr>
-            <a:normAutofit/>
-          </a:bodyPr>
-          <a:lstStyle/>
-          <a:p>
-            <a:r>
-              <a:rPr lang="en-US" dirty="0"/>
-              <a:t>Overall Accuracy: 96.92%</a:t>
-            </a:r>
-          </a:p>
-          <a:p>
-            <a:pPr marL="0" indent="0">
-              <a:buNone/>
-            </a:pPr>
-            <a:endParaRPr lang="en-US" dirty="0"/>
-          </a:p>
-          <a:p>
-            <a:pPr marL="0" indent="0">
-              <a:buNone/>
-            </a:pPr>
-            <a:r>
-              <a:rPr lang="en-US" dirty="0"/>
-              <a:t>Improvements:</a:t>
-            </a:r>
-          </a:p>
-          <a:p>
-            <a:r>
-              <a:rPr lang="en-US" dirty="0"/>
-              <a:t>Different Dataset</a:t>
-            </a:r>
-          </a:p>
-          <a:p>
-            <a:r>
-              <a:rPr lang="en-US" dirty="0"/>
-              <a:t>Train Model Locally</a:t>
+              <a:t>Key Insights</a:t>
             </a:r>
           </a:p>
         </p:txBody>
       </p:sp>
       <p:pic>
         <p:nvPicPr>
-          <p:cNvPr id="4098" name="Picture 2" descr="Clock Clipart Stock Illustrations ...">
-            <a:extLst>
-              <a:ext uri="{FF2B5EF4-FFF2-40B4-BE49-F238E27FC236}">
-                <a16:creationId xmlns:a16="http://schemas.microsoft.com/office/drawing/2014/main" id="{B4F039EA-BE08-E386-B6D5-A51B817ADEF2}"/>
+          <p:cNvPr id="4" name="Content Placeholder 3" descr="A graph of different colored bars&#10;&#10;AI-generated content may be incorrect.">
+            <a:extLst>
+              <a:ext uri="{FF2B5EF4-FFF2-40B4-BE49-F238E27FC236}">
+                <a16:creationId xmlns:a16="http://schemas.microsoft.com/office/drawing/2014/main" id="{C81A91F8-B246-4F9D-9821-098A41564EEF}"/>
               </a:ext>
             </a:extLst>
           </p:cNvPr>
           <p:cNvPicPr>
-            <a:picLocks noChangeAspect="1" noChangeArrowheads="1"/>
+            <a:picLocks noGrp="1" noChangeAspect="1"/>
+          </p:cNvPicPr>
+          <p:nvPr>
+            <p:ph idx="1"/>
+          </p:nvPr>
+        </p:nvPicPr>
+        <p:blipFill>
+          <a:blip r:embed="rId2"/>
+          <a:stretch>
+            <a:fillRect/>
+          </a:stretch>
+        </p:blipFill>
+        <p:spPr>
+          <a:xfrm>
+            <a:off x="8763626" y="3605700"/>
+            <a:ext cx="3132091" cy="2674852"/>
+          </a:xfrm>
+          <a:prstGeom prst="rect">
+            <a:avLst/>
+          </a:prstGeom>
+        </p:spPr>
+      </p:pic>
+      <p:sp>
+        <p:nvSpPr>
+          <p:cNvPr id="5" name="TextBox 4">
+            <a:extLst>
+              <a:ext uri="{FF2B5EF4-FFF2-40B4-BE49-F238E27FC236}">
+                <a16:creationId xmlns:a16="http://schemas.microsoft.com/office/drawing/2014/main" id="{77C268DD-5821-934E-5AA8-2797114465F5}"/>
+              </a:ext>
+            </a:extLst>
+          </p:cNvPr>
+          <p:cNvSpPr txBox="1"/>
+          <p:nvPr/>
+        </p:nvSpPr>
+        <p:spPr>
+          <a:xfrm>
+            <a:off x="1005840" y="1819656"/>
+            <a:ext cx="7205472" cy="923330"/>
+          </a:xfrm>
+          <a:prstGeom prst="rect">
+            <a:avLst/>
+          </a:prstGeom>
+          <a:noFill/>
+        </p:spPr>
+        <p:txBody>
+          <a:bodyPr wrap="square" rtlCol="0">
+            <a:spAutoFit/>
+          </a:bodyPr>
+          <a:lstStyle/>
+          <a:p>
+            <a:pPr marL="285750" indent="-285750">
+              <a:buFont typeface="Arial" panose="020B0604020202020204" pitchFamily="34" charset="0"/>
+              <a:buChar char="•"/>
+            </a:pPr>
+            <a:r>
+              <a:rPr lang="en-US" dirty="0"/>
+              <a:t>Weather has not influence on demand</a:t>
+            </a:r>
+          </a:p>
+          <a:p>
+            <a:pPr marL="285750" indent="-285750">
+              <a:buFont typeface="Arial" panose="020B0604020202020204" pitchFamily="34" charset="0"/>
+              <a:buChar char="•"/>
+            </a:pPr>
+            <a:r>
+              <a:rPr lang="en-US" dirty="0"/>
+              <a:t>Weather has no influence on Uber/Lyft prices</a:t>
+            </a:r>
+          </a:p>
+          <a:p>
+            <a:pPr marL="285750" indent="-285750">
+              <a:buFont typeface="Arial" panose="020B0604020202020204" pitchFamily="34" charset="0"/>
+              <a:buChar char="•"/>
+            </a:pPr>
+            <a:r>
+              <a:rPr lang="en-US" dirty="0"/>
+              <a:t>Only a minority of rides were ordered on rainy days</a:t>
+            </a:r>
+          </a:p>
+        </p:txBody>
+      </p:sp>
+      <p:pic>
+        <p:nvPicPr>
+          <p:cNvPr id="6" name="Content Placeholder 4" descr="A graph of a weather forecast&#10;&#10;AI-generated content may be incorrect.">
+            <a:extLst>
+              <a:ext uri="{FF2B5EF4-FFF2-40B4-BE49-F238E27FC236}">
+                <a16:creationId xmlns:a16="http://schemas.microsoft.com/office/drawing/2014/main" id="{09A325D0-BF30-EB76-36DC-D717FF029E35}"/>
+              </a:ext>
+            </a:extLst>
+          </p:cNvPr>
+          <p:cNvPicPr>
+            <a:picLocks noChangeAspect="1"/>
           </p:cNvPicPr>
           <p:nvPr/>
         </p:nvPicPr>
         <p:blipFill>
-          <a:blip r:embed="rId2">
-            <a:extLst>
-              <a:ext uri="{28A0092B-C50C-407E-A947-70E740481C1C}">
-                <a14:useLocalDpi xmlns:a14="http://schemas.microsoft.com/office/drawing/2010/main" val="0"/>
-              </a:ext>
-            </a:extLst>
-          </a:blip>
+          <a:blip r:embed="rId3"/>
           <a:stretch>
             <a:fillRect/>
           </a:stretch>
         </p:blipFill>
-        <p:spPr bwMode="auto">
-          <a:xfrm>
-            <a:off x="8561229" y="2822321"/>
-            <a:ext cx="3429000" cy="3429000"/>
+        <p:spPr>
+          <a:xfrm>
+            <a:off x="693152" y="3219450"/>
+            <a:ext cx="7133500" cy="3048429"/>
           </a:xfrm>
           <a:prstGeom prst="rect">
             <a:avLst/>
           </a:prstGeom>
-          <a:solidFill>
-            <a:srgbClr val="FFFFFF"/>
-          </a:solidFill>
-          <a:extLst>
-            <a:ext uri="{909E8E84-426E-40DD-AFC4-6F175D3DCCD1}">
-              <a14:hiddenFill xmlns:a14="http://schemas.microsoft.com/office/drawing/2010/main">
-                <a:solidFill>
-                  <a:srgbClr val="FFFFFF"/>
-                </a:solidFill>
-              </a14:hiddenFill>
-            </a:ext>
-          </a:extLst>
-        </p:spPr>
-      </p:pic>
-      <p:pic>
-        <p:nvPicPr>
-          <p:cNvPr id="4100" name="Picture 4" descr="Computer Clip Art Images – Browse 293,834 Stock Photos, Vectors, and Video  | Adobe Stock">
-            <a:extLst>
-              <a:ext uri="{FF2B5EF4-FFF2-40B4-BE49-F238E27FC236}">
-                <a16:creationId xmlns:a16="http://schemas.microsoft.com/office/drawing/2014/main" id="{D3B378B4-B767-AC95-ED72-8A17740314E2}"/>
-              </a:ext>
-            </a:extLst>
-          </p:cNvPr>
-          <p:cNvPicPr>
-            <a:picLocks noChangeAspect="1" noChangeArrowheads="1"/>
-          </p:cNvPicPr>
-          <p:nvPr/>
-        </p:nvPicPr>
-        <p:blipFill>
-          <a:blip r:embed="rId3">
-            <a:extLst>
-              <a:ext uri="{28A0092B-C50C-407E-A947-70E740481C1C}">
-                <a14:useLocalDpi xmlns:a14="http://schemas.microsoft.com/office/drawing/2010/main" val="0"/>
-              </a:ext>
-            </a:extLst>
-          </a:blip>
-          <a:srcRect/>
-          <a:stretch>
-            <a:fillRect/>
-          </a:stretch>
-        </p:blipFill>
-        <p:spPr bwMode="auto">
-          <a:xfrm>
-            <a:off x="4248912" y="2822321"/>
-            <a:ext cx="4572000" cy="3429000"/>
-          </a:xfrm>
-          <a:prstGeom prst="rect">
-            <a:avLst/>
-          </a:prstGeom>
-          <a:noFill/>
-          <a:extLst>
-            <a:ext uri="{909E8E84-426E-40DD-AFC4-6F175D3DCCD1}">
-              <a14:hiddenFill xmlns:a14="http://schemas.microsoft.com/office/drawing/2010/main">
-                <a:solidFill>
-                  <a:srgbClr val="FFFFFF"/>
-                </a:solidFill>
-              </a14:hiddenFill>
-            </a:ext>
-          </a:extLst>
         </p:spPr>
       </p:pic>
     </p:spTree>
     <p:extLst>
       <p:ext uri="{BB962C8B-B14F-4D97-AF65-F5344CB8AC3E}">
-        <p14:creationId xmlns:p14="http://schemas.microsoft.com/office/powerpoint/2010/main" val="3596057061"/>
+        <p14:creationId xmlns:p14="http://schemas.microsoft.com/office/powerpoint/2010/main" val="940078901"/>
       </p:ext>
     </p:extLst>
   </p:cSld>

--- a/Myhre_Chris_Presentation.pptx
+++ b/Myhre_Chris_Presentation.pptx
@@ -4747,8 +4747,38 @@
         </p:blipFill>
         <p:spPr>
           <a:xfrm>
-            <a:off x="5200502" y="4347289"/>
+            <a:off x="7250834" y="4401572"/>
             <a:ext cx="1905165" cy="1836579"/>
+          </a:xfrm>
+          <a:prstGeom prst="rect">
+            <a:avLst/>
+          </a:prstGeom>
+        </p:spPr>
+      </p:pic>
+      <p:pic>
+        <p:nvPicPr>
+          <p:cNvPr id="4" name="Picture 3" descr="A screenshot of a computer&#10;&#10;AI-generated content may be incorrect.">
+            <a:extLst>
+              <a:ext uri="{FF2B5EF4-FFF2-40B4-BE49-F238E27FC236}">
+                <a16:creationId xmlns:a16="http://schemas.microsoft.com/office/drawing/2014/main" id="{8F7397A5-0F9B-B23C-91E9-26BA18E68453}"/>
+              </a:ext>
+            </a:extLst>
+          </p:cNvPr>
+          <p:cNvPicPr>
+            <a:picLocks noChangeAspect="1"/>
+          </p:cNvPicPr>
+          <p:nvPr/>
+        </p:nvPicPr>
+        <p:blipFill>
+          <a:blip r:embed="rId10"/>
+          <a:stretch>
+            <a:fillRect/>
+          </a:stretch>
+        </p:blipFill>
+        <p:spPr>
+          <a:xfrm>
+            <a:off x="5238605" y="4630192"/>
+            <a:ext cx="1867062" cy="1607959"/>
           </a:xfrm>
           <a:prstGeom prst="rect">
             <a:avLst/>
